--- a/Apresentação.pptx
+++ b/Apresentação.pptx
@@ -9313,7 +9313,7 @@
           <a:gradFill>
             <a:gsLst>
               <a:gs pos="100000">
-                <a:srgbClr val="06232D"/>
+                <a:srgbClr val="00608A"/>
               </a:gs>
               <a:gs pos="0">
                 <a:srgbClr val="1FB35B"/>
@@ -9711,7 +9711,7 @@
             <a:pPr lvl="1"/>
             <a:r>
               <a:rPr lang="pt-PT" dirty="0"/>
-              <a:t>Melhorar a segurança dos dados (encriptação).</a:t>
+              <a:t>Melhorar a proteção dos dados (encriptação).</a:t>
             </a:r>
           </a:p>
         </p:txBody>
@@ -15806,10 +15806,10 @@
           </a:prstGeom>
           <a:gradFill>
             <a:gsLst>
-              <a:gs pos="1000">
-                <a:srgbClr val="FF9811"/>
+              <a:gs pos="0">
+                <a:srgbClr val="006FF3"/>
               </a:gs>
-              <a:gs pos="100000">
+              <a:gs pos="80000">
                 <a:srgbClr val="F58B76"/>
               </a:gs>
             </a:gsLst>
@@ -15917,7 +15917,7 @@
                 <a:srgbClr val="4D6875"/>
               </a:gs>
               <a:gs pos="100000">
-                <a:srgbClr val="FF9811"/>
+                <a:srgbClr val="006FF3"/>
               </a:gs>
             </a:gsLst>
             <a:lin ang="0" scaled="0"/>
@@ -16668,7 +16668,7 @@
                 <a:srgbClr val="06232E"/>
               </a:gs>
               <a:gs pos="100000">
-                <a:srgbClr val="FF9811"/>
+                <a:srgbClr val="006FF3"/>
               </a:gs>
             </a:gsLst>
             <a:lin ang="0" scaled="0"/>

--- a/Apresentação.pptx
+++ b/Apresentação.pptx
@@ -210,7 +210,7 @@
           <a:p>
             <a:fld id="{CA4F69C2-B2D0-4682-BC72-7C3FC6A6761D}" type="datetimeFigureOut">
               <a:rPr lang="pt-PT" smtClean="0"/>
-              <a:t>06/06/2023</a:t>
+              <a:t>07/06/2023</a:t>
             </a:fld>
             <a:endParaRPr lang="pt-PT"/>
           </a:p>
@@ -665,7 +665,7 @@
           <a:p>
             <a:fld id="{6BFE7318-B63C-42A2-A6F9-B81D516F3AA2}" type="datetime4">
               <a:rPr lang="en-US" smtClean="0"/>
-              <a:t>June 6, 2023</a:t>
+              <a:t>June 7, 2023</a:t>
             </a:fld>
             <a:endParaRPr lang="en-US" dirty="0">
               <a:latin typeface="+mn-lt"/>
@@ -1010,7 +1010,7 @@
           <a:p>
             <a:fld id="{AD516E6C-07B7-4430-93F9-6FE7FDF514F1}" type="datetime4">
               <a:rPr lang="en-US" smtClean="0"/>
-              <a:t>June 6, 2023</a:t>
+              <a:t>June 7, 2023</a:t>
             </a:fld>
             <a:endParaRPr lang="en-US" dirty="0">
               <a:latin typeface="+mn-lt"/>
@@ -1418,7 +1418,7 @@
           <a:p>
             <a:fld id="{C3B52FF1-CB99-47AC-8A5B-E033703207E8}" type="datetime4">
               <a:rPr lang="en-US" smtClean="0"/>
-              <a:t>June 6, 2023</a:t>
+              <a:t>June 7, 2023</a:t>
             </a:fld>
             <a:endParaRPr lang="en-US" dirty="0">
               <a:latin typeface="+mn-lt"/>
@@ -1761,7 +1761,7 @@
           <a:p>
             <a:fld id="{32399B67-1F92-4945-9323-0F35D70A5B34}" type="datetime4">
               <a:rPr lang="en-US" smtClean="0"/>
-              <a:t>June 6, 2023</a:t>
+              <a:t>June 7, 2023</a:t>
             </a:fld>
             <a:endParaRPr lang="en-US" dirty="0">
               <a:latin typeface="+mn-lt"/>
@@ -2088,7 +2088,7 @@
           <a:p>
             <a:fld id="{77646567-9FE8-4E73-9965-19DBFA63CB78}" type="datetime4">
               <a:rPr lang="en-US" smtClean="0"/>
-              <a:t>June 6, 2023</a:t>
+              <a:t>June 7, 2023</a:t>
             </a:fld>
             <a:endParaRPr lang="en-US" dirty="0">
               <a:latin typeface="+mn-lt"/>
@@ -2491,7 +2491,7 @@
           <a:p>
             <a:fld id="{459DA391-63B2-4654-874B-EF16B89F6F05}" type="datetime4">
               <a:rPr lang="en-US" smtClean="0"/>
-              <a:t>June 6, 2023</a:t>
+              <a:t>June 7, 2023</a:t>
             </a:fld>
             <a:endParaRPr lang="en-US" dirty="0">
               <a:latin typeface="+mn-lt"/>
@@ -2755,7 +2755,7 @@
           <a:p>
             <a:fld id="{D1068CFD-593A-4C76-AF99-BB57FC1F0782}" type="datetime4">
               <a:rPr lang="en-US" smtClean="0"/>
-              <a:t>June 6, 2023</a:t>
+              <a:t>June 7, 2023</a:t>
             </a:fld>
             <a:endParaRPr lang="en-US" dirty="0">
               <a:latin typeface="+mn-lt"/>
@@ -3024,7 +3024,7 @@
           <a:p>
             <a:fld id="{4BD0F369-F775-4CB5-8E0D-07A5068FB71C}" type="datetime4">
               <a:rPr lang="en-US" smtClean="0"/>
-              <a:t>June 6, 2023</a:t>
+              <a:t>June 7, 2023</a:t>
             </a:fld>
             <a:endParaRPr lang="en-US" dirty="0">
               <a:latin typeface="+mn-lt"/>
@@ -3293,7 +3293,7 @@
           <a:p>
             <a:fld id="{7844A8EF-00A8-4F84-9E80-21625856CCA0}" type="datetime4">
               <a:rPr lang="en-US" smtClean="0"/>
-              <a:t>June 6, 2023</a:t>
+              <a:t>June 7, 2023</a:t>
             </a:fld>
             <a:endParaRPr lang="en-US" dirty="0">
               <a:latin typeface="+mn-lt"/>
@@ -3629,7 +3629,7 @@
           <a:p>
             <a:fld id="{1827EE55-8BBE-4AE1-B0F4-75E63D638291}" type="datetime4">
               <a:rPr lang="en-US" smtClean="0"/>
-              <a:t>June 6, 2023</a:t>
+              <a:t>June 7, 2023</a:t>
             </a:fld>
             <a:endParaRPr lang="en-US" dirty="0">
               <a:latin typeface="+mn-lt"/>
@@ -3959,7 +3959,7 @@
           <a:p>
             <a:fld id="{EEF46315-3FC9-4DE7-86BC-C3DC669BA81B}" type="datetime4">
               <a:rPr lang="en-US" smtClean="0"/>
-              <a:t>June 6, 2023</a:t>
+              <a:t>June 7, 2023</a:t>
             </a:fld>
             <a:endParaRPr lang="en-US" dirty="0">
               <a:latin typeface="+mn-lt"/>
@@ -4423,7 +4423,7 @@
           <a:p>
             <a:fld id="{DDB807CE-54D4-4481-924D-9B42CF8AD921}" type="datetime4">
               <a:rPr lang="en-US" smtClean="0"/>
-              <a:t>June 6, 2023</a:t>
+              <a:t>June 7, 2023</a:t>
             </a:fld>
             <a:endParaRPr lang="en-US" dirty="0">
               <a:latin typeface="+mn-lt"/>
@@ -4635,7 +4635,7 @@
           <a:p>
             <a:fld id="{F9111A14-FC98-47EF-9950-E4C295F89F1E}" type="datetime4">
               <a:rPr lang="en-US" smtClean="0"/>
-              <a:t>June 6, 2023</a:t>
+              <a:t>June 7, 2023</a:t>
             </a:fld>
             <a:endParaRPr lang="en-US" dirty="0">
               <a:latin typeface="+mn-lt"/>
@@ -4819,7 +4819,7 @@
           <a:p>
             <a:fld id="{E2391FA2-8CAE-4A95-8522-0CDF05D0556D}" type="datetime4">
               <a:rPr lang="en-US" smtClean="0"/>
-              <a:t>June 6, 2023</a:t>
+              <a:t>June 7, 2023</a:t>
             </a:fld>
             <a:endParaRPr lang="en-US" dirty="0">
               <a:latin typeface="+mn-lt"/>
@@ -5159,7 +5159,7 @@
           <a:p>
             <a:fld id="{03F8611F-2E20-48C9-A53A-525FB851CF4D}" type="datetime4">
               <a:rPr lang="en-US" smtClean="0"/>
-              <a:t>June 6, 2023</a:t>
+              <a:t>June 7, 2023</a:t>
             </a:fld>
             <a:endParaRPr lang="en-US" dirty="0">
               <a:latin typeface="+mn-lt"/>
@@ -5511,7 +5511,7 @@
           <a:p>
             <a:fld id="{16449BE4-B114-49B5-B9F6-D88255330CCD}" type="datetime4">
               <a:rPr lang="en-US" smtClean="0"/>
-              <a:t>June 6, 2023</a:t>
+              <a:t>June 7, 2023</a:t>
             </a:fld>
             <a:endParaRPr lang="en-US" dirty="0">
               <a:latin typeface="+mn-lt"/>
@@ -7638,7 +7638,7 @@
           <a:p>
             <a:fld id="{0E37559C-F6CF-4EA1-8CF5-F495D48DF356}" type="datetime4">
               <a:rPr lang="en-US" smtClean="0"/>
-              <a:t>June 6, 2023</a:t>
+              <a:t>June 7, 2023</a:t>
             </a:fld>
             <a:endParaRPr lang="en-US" dirty="0">
               <a:latin typeface="+mn-lt"/>
@@ -12274,7 +12274,7 @@
           <a:gradFill>
             <a:gsLst>
               <a:gs pos="1000">
-                <a:srgbClr val="FF9811"/>
+                <a:srgbClr val="006FF3"/>
               </a:gs>
               <a:gs pos="100000">
                 <a:srgbClr val="F58B76"/>
@@ -12384,7 +12384,7 @@
                 <a:srgbClr val="4D6875"/>
               </a:gs>
               <a:gs pos="100000">
-                <a:srgbClr val="FF9811"/>
+                <a:srgbClr val="006FF3"/>
               </a:gs>
             </a:gsLst>
             <a:lin ang="0" scaled="0"/>
@@ -12888,7 +12888,7 @@
                 <a:srgbClr val="06232E"/>
               </a:gs>
               <a:gs pos="100000">
-                <a:srgbClr val="FF9811"/>
+                <a:srgbClr val="006FF3"/>
               </a:gs>
             </a:gsLst>
             <a:lin ang="0" scaled="0"/>
@@ -13534,33 +13534,15 @@
                                   </p:childTnLst>
                                 </p:cTn>
                               </p:par>
-                            </p:childTnLst>
-                          </p:cTn>
-                        </p:par>
-                      </p:childTnLst>
-                    </p:cTn>
-                  </p:par>
-                  <p:par>
-                    <p:cTn id="43" fill="hold">
-                      <p:stCondLst>
-                        <p:cond delay="indefinite"/>
-                      </p:stCondLst>
-                      <p:childTnLst>
-                        <p:par>
-                          <p:cTn id="44" fill="hold">
-                            <p:stCondLst>
-                              <p:cond delay="0"/>
-                            </p:stCondLst>
-                            <p:childTnLst>
                               <p:par>
-                                <p:cTn id="45" presetID="10" presetClass="entr" presetSubtype="0" fill="hold" grpId="0" nodeType="clickEffect">
+                                <p:cTn id="43" presetID="10" presetClass="entr" presetSubtype="0" fill="hold" grpId="0" nodeType="withEffect">
                                   <p:stCondLst>
                                     <p:cond delay="0"/>
                                   </p:stCondLst>
                                   <p:childTnLst>
                                     <p:set>
                                       <p:cBhvr>
-                                        <p:cTn id="46" dur="1" fill="hold">
+                                        <p:cTn id="44" dur="1" fill="hold">
                                           <p:stCondLst>
                                             <p:cond delay="0"/>
                                           </p:stCondLst>
@@ -13578,7 +13560,7 @@
                                     </p:set>
                                     <p:animEffect transition="in" filter="fade">
                                       <p:cBhvr>
-                                        <p:cTn id="47" dur="500"/>
+                                        <p:cTn id="45" dur="500"/>
                                         <p:tgtEl>
                                           <p:spTgt spid="23"/>
                                         </p:tgtEl>
@@ -13588,14 +13570,14 @@
                                 </p:cTn>
                               </p:par>
                               <p:par>
-                                <p:cTn id="48" presetID="10" presetClass="entr" presetSubtype="0" fill="hold" grpId="0" nodeType="withEffect">
+                                <p:cTn id="46" presetID="10" presetClass="entr" presetSubtype="0" fill="hold" grpId="0" nodeType="withEffect">
                                   <p:stCondLst>
                                     <p:cond delay="0"/>
                                   </p:stCondLst>
                                   <p:childTnLst>
                                     <p:set>
                                       <p:cBhvr>
-                                        <p:cTn id="49" dur="1" fill="hold">
+                                        <p:cTn id="47" dur="1" fill="hold">
                                           <p:stCondLst>
                                             <p:cond delay="0"/>
                                           </p:stCondLst>
@@ -13613,7 +13595,7 @@
                                     </p:set>
                                     <p:animEffect transition="in" filter="fade">
                                       <p:cBhvr>
-                                        <p:cTn id="50" dur="500"/>
+                                        <p:cTn id="48" dur="500"/>
                                         <p:tgtEl>
                                           <p:spTgt spid="24"/>
                                         </p:tgtEl>
@@ -13629,26 +13611,26 @@
                     </p:cTn>
                   </p:par>
                   <p:par>
-                    <p:cTn id="51" fill="hold">
+                    <p:cTn id="49" fill="hold">
                       <p:stCondLst>
                         <p:cond delay="indefinite"/>
                       </p:stCondLst>
                       <p:childTnLst>
                         <p:par>
-                          <p:cTn id="52" fill="hold">
+                          <p:cTn id="50" fill="hold">
                             <p:stCondLst>
                               <p:cond delay="0"/>
                             </p:stCondLst>
                             <p:childTnLst>
                               <p:par>
-                                <p:cTn id="53" presetID="10" presetClass="entr" presetSubtype="0" fill="hold" grpId="0" nodeType="clickEffect">
+                                <p:cTn id="51" presetID="10" presetClass="entr" presetSubtype="0" fill="hold" grpId="0" nodeType="clickEffect">
                                   <p:stCondLst>
                                     <p:cond delay="0"/>
                                   </p:stCondLst>
                                   <p:childTnLst>
                                     <p:set>
                                       <p:cBhvr>
-                                        <p:cTn id="54" dur="1" fill="hold">
+                                        <p:cTn id="52" dur="1" fill="hold">
                                           <p:stCondLst>
                                             <p:cond delay="0"/>
                                           </p:stCondLst>
@@ -13666,7 +13648,7 @@
                                     </p:set>
                                     <p:animEffect transition="in" filter="fade">
                                       <p:cBhvr>
-                                        <p:cTn id="55" dur="500"/>
+                                        <p:cTn id="53" dur="500"/>
                                         <p:tgtEl>
                                           <p:spTgt spid="18"/>
                                         </p:tgtEl>
@@ -13682,26 +13664,26 @@
                     </p:cTn>
                   </p:par>
                   <p:par>
-                    <p:cTn id="56" fill="hold">
+                    <p:cTn id="54" fill="hold">
                       <p:stCondLst>
                         <p:cond delay="indefinite"/>
                       </p:stCondLst>
                       <p:childTnLst>
                         <p:par>
-                          <p:cTn id="57" fill="hold">
+                          <p:cTn id="55" fill="hold">
                             <p:stCondLst>
                               <p:cond delay="0"/>
                             </p:stCondLst>
                             <p:childTnLst>
                               <p:par>
-                                <p:cTn id="58" presetID="10" presetClass="entr" presetSubtype="0" fill="hold" grpId="0" nodeType="clickEffect">
+                                <p:cTn id="56" presetID="10" presetClass="entr" presetSubtype="0" fill="hold" grpId="0" nodeType="clickEffect">
                                   <p:stCondLst>
                                     <p:cond delay="0"/>
                                   </p:stCondLst>
                                   <p:childTnLst>
                                     <p:set>
                                       <p:cBhvr>
-                                        <p:cTn id="59" dur="1" fill="hold">
+                                        <p:cTn id="57" dur="1" fill="hold">
                                           <p:stCondLst>
                                             <p:cond delay="0"/>
                                           </p:stCondLst>
@@ -13719,7 +13701,7 @@
                                     </p:set>
                                     <p:animEffect transition="in" filter="fade">
                                       <p:cBhvr>
-                                        <p:cTn id="60" dur="500"/>
+                                        <p:cTn id="58" dur="500"/>
                                         <p:tgtEl>
                                           <p:spTgt spid="20"/>
                                         </p:tgtEl>
@@ -13729,14 +13711,14 @@
                                 </p:cTn>
                               </p:par>
                               <p:par>
-                                <p:cTn id="61" presetID="10" presetClass="entr" presetSubtype="0" fill="hold" grpId="0" nodeType="withEffect">
+                                <p:cTn id="59" presetID="10" presetClass="entr" presetSubtype="0" fill="hold" grpId="0" nodeType="withEffect">
                                   <p:stCondLst>
                                     <p:cond delay="0"/>
                                   </p:stCondLst>
                                   <p:childTnLst>
                                     <p:set>
                                       <p:cBhvr>
-                                        <p:cTn id="62" dur="1" fill="hold">
+                                        <p:cTn id="60" dur="1" fill="hold">
                                           <p:stCondLst>
                                             <p:cond delay="0"/>
                                           </p:stCondLst>
@@ -13754,7 +13736,7 @@
                                     </p:set>
                                     <p:animEffect transition="in" filter="fade">
                                       <p:cBhvr>
-                                        <p:cTn id="63" dur="500"/>
+                                        <p:cTn id="61" dur="500"/>
                                         <p:tgtEl>
                                           <p:spTgt spid="22"/>
                                         </p:tgtEl>
@@ -13770,26 +13752,26 @@
                     </p:cTn>
                   </p:par>
                   <p:par>
-                    <p:cTn id="64" fill="hold">
+                    <p:cTn id="62" fill="hold">
                       <p:stCondLst>
                         <p:cond delay="indefinite"/>
                       </p:stCondLst>
                       <p:childTnLst>
                         <p:par>
-                          <p:cTn id="65" fill="hold">
+                          <p:cTn id="63" fill="hold">
                             <p:stCondLst>
                               <p:cond delay="0"/>
                             </p:stCondLst>
                             <p:childTnLst>
                               <p:par>
-                                <p:cTn id="66" presetID="1" presetClass="entr" presetSubtype="0" fill="hold" grpId="0" nodeType="clickEffect">
+                                <p:cTn id="64" presetID="1" presetClass="entr" presetSubtype="0" fill="hold" grpId="0" nodeType="clickEffect">
                                   <p:stCondLst>
                                     <p:cond delay="0"/>
                                   </p:stCondLst>
                                   <p:childTnLst>
                                     <p:set>
                                       <p:cBhvr>
-                                        <p:cTn id="67" dur="1" fill="hold">
+                                        <p:cTn id="65" dur="1" fill="hold">
                                           <p:stCondLst>
                                             <p:cond delay="0"/>
                                           </p:stCondLst>
